--- a/Presentation/23MDS003_Project_PPT.pptx
+++ b/Presentation/23MDS003_Project_PPT.pptx
@@ -228,7 +228,7 @@
           <a:p>
             <a:fld id="{0D26D841-7B3C-47AF-987F-072B4B4DB2FC}" type="datetimeFigureOut">
               <a:rPr lang="en-US" smtClean="0"/>
-              <a:t>9/18/2024</a:t>
+              <a:t>9/20/2024</a:t>
             </a:fld>
             <a:endParaRPr lang="en-US" dirty="0"/>
           </a:p>
@@ -406,7 +406,7 @@
           <a:p>
             <a:fld id="{594E7DBF-46FE-4FD5-AC56-18193FB86556}" type="datetimeFigureOut">
               <a:rPr lang="en-US" noProof="0" smtClean="0"/>
-              <a:t>9/18/2024</a:t>
+              <a:t>9/20/2024</a:t>
             </a:fld>
             <a:endParaRPr lang="en-US" noProof="0" dirty="0"/>
           </a:p>
@@ -25870,8 +25870,8 @@
         </p:nvSpPr>
         <p:spPr bwMode="auto">
           <a:xfrm>
-            <a:off x="838201" y="1307481"/>
-            <a:ext cx="10512972" cy="3903954"/>
+            <a:off x="838201" y="1584480"/>
+            <a:ext cx="10512972" cy="3349956"/>
           </a:xfrm>
           <a:prstGeom prst="rect">
             <a:avLst/>
@@ -26057,7 +26057,7 @@
                 <a:latin typeface="Times New Roman" panose="02020603050405020304" pitchFamily="18" charset="0"/>
                 <a:cs typeface="Times New Roman" panose="02020603050405020304" pitchFamily="18" charset="0"/>
               </a:rPr>
-              <a:t>Current methods for detecting AI-generated or Deep-fake voices are often inadequate, particularly in real-time applications. The increasing sophistication of voice conversion techniques makes it harder to distinguish between genuine and synthetic speech. This presents a significant risk to security, privacy, and the integrity of voice communications. An effective, real-time solution for detecting AI-generated speech is crucial to mitigate these risks and prevent the misuse of voice conversion technologies.</a:t>
+              <a:t>Current methods for detecting AI-generated or Deep-fake voices are often inadequate, particularly in real-time applications. The increasing sophistication of voice conversion techniques makes it harder to distinguish between genuine and synthetic speech. An effective, real-time solution for detecting AI-generated speech is crucial to mitigate these risks and prevent the misuse of voice conversion technologies.</a:t>
             </a:r>
             <a:endParaRPr kumimoji="0" lang="en-US" altLang="en-US" sz="6600" b="0" i="0" u="none" strike="noStrike" cap="none" normalizeH="0" baseline="0" dirty="0">
               <a:ln>
@@ -26189,35 +26189,16 @@
                 <a:latin typeface="Times New Roman" panose="02020603050405020304" pitchFamily="18" charset="0"/>
                 <a:cs typeface="Times New Roman" panose="02020603050405020304" pitchFamily="18" charset="0"/>
               </a:rPr>
-              <a:t>This system aims to improve accuracy and speed in differentiating between real and synthetic voices, enhancing the security and integrity of voice communications.</a:t>
+              <a:t>This system aims to improve accuracy and speed in differentiating between real and synthetic voices, enhancing the security and integrity of voice </a:t>
             </a:r>
-          </a:p>
-          <a:p>
-            <a:pPr algn="just">
-              <a:lnSpc>
-                <a:spcPct val="100000"/>
-              </a:lnSpc>
-              <a:spcAft>
-                <a:spcPts val="800"/>
-              </a:spcAft>
-              <a:buFont typeface="Wingdings" panose="05000000000000000000" pitchFamily="2" charset="2"/>
-              <a:buChar char="Ø"/>
-            </a:pPr>
             <a:r>
-              <a:rPr lang="en-US" sz="2400" dirty="0">
+              <a:rPr lang="en-US" sz="2400">
                 <a:latin typeface="Times New Roman" panose="02020603050405020304" pitchFamily="18" charset="0"/>
                 <a:cs typeface="Times New Roman" panose="02020603050405020304" pitchFamily="18" charset="0"/>
               </a:rPr>
-              <a:t>By advanced machine learning models, the project will address the growing risks posed by the misuse of AI-driven voice conversion technologies in areas like fraud and impersonation.</a:t>
+              <a:t>communications.</a:t>
             </a:r>
-            <a:endParaRPr lang="en-US" sz="4800" b="0" i="0" dirty="0">
-              <a:solidFill>
-                <a:srgbClr val="0D0D0D"/>
-              </a:solidFill>
-              <a:effectLst/>
-              <a:highlight>
-                <a:srgbClr val="FFFFFF"/>
-              </a:highlight>
+            <a:endParaRPr lang="en-US" sz="2400" dirty="0">
               <a:latin typeface="Times New Roman" panose="02020603050405020304" pitchFamily="18" charset="0"/>
               <a:cs typeface="Times New Roman" panose="02020603050405020304" pitchFamily="18" charset="0"/>
             </a:endParaRPr>
